--- a/Docs/02_Intro.pptx
+++ b/Docs/02_Intro.pptx
@@ -111,6 +111,11 @@
       </a:defRPr>
     </a:lvl9pPr>
   </p:defaultTextStyle>
+  <p:extLst>
+    <p:ext uri="{EFAFB233-063F-42B5-8137-9DF3F51BA10A}">
+      <p15:sldGuideLst xmlns:p15="http://schemas.microsoft.com/office/powerpoint/2012/main"/>
+    </p:ext>
+  </p:extLst>
 </p:presentation>
 </file>
 
@@ -310,7 +315,7 @@
           <a:p>
             <a:fld id="{7E71651A-C82F-4681-A516-2EF0C18AA360}" type="datetimeFigureOut">
               <a:rPr lang="es-MX" smtClean="0"/>
-              <a:t>25/02/2024</a:t>
+              <a:t>26/02/2024</a:t>
             </a:fld>
             <a:endParaRPr lang="es-MX"/>
           </a:p>
@@ -591,7 +596,7 @@
           <a:p>
             <a:fld id="{7E71651A-C82F-4681-A516-2EF0C18AA360}" type="datetimeFigureOut">
               <a:rPr lang="es-MX" smtClean="0"/>
-              <a:t>25/02/2024</a:t>
+              <a:t>26/02/2024</a:t>
             </a:fld>
             <a:endParaRPr lang="es-MX"/>
           </a:p>
@@ -783,7 +788,7 @@
           <a:p>
             <a:fld id="{7E71651A-C82F-4681-A516-2EF0C18AA360}" type="datetimeFigureOut">
               <a:rPr lang="es-MX" smtClean="0"/>
-              <a:t>25/02/2024</a:t>
+              <a:t>26/02/2024</a:t>
             </a:fld>
             <a:endParaRPr lang="es-MX"/>
           </a:p>
@@ -1044,7 +1049,7 @@
           <a:p>
             <a:fld id="{7E71651A-C82F-4681-A516-2EF0C18AA360}" type="datetimeFigureOut">
               <a:rPr lang="es-MX" smtClean="0"/>
-              <a:t>25/02/2024</a:t>
+              <a:t>26/02/2024</a:t>
             </a:fld>
             <a:endParaRPr lang="es-MX"/>
           </a:p>
@@ -1470,7 +1475,7 @@
           <a:p>
             <a:fld id="{7E71651A-C82F-4681-A516-2EF0C18AA360}" type="datetimeFigureOut">
               <a:rPr lang="es-MX" smtClean="0"/>
-              <a:t>25/02/2024</a:t>
+              <a:t>26/02/2024</a:t>
             </a:fld>
             <a:endParaRPr lang="es-MX"/>
           </a:p>
@@ -2016,7 +2021,7 @@
           <a:p>
             <a:fld id="{7E71651A-C82F-4681-A516-2EF0C18AA360}" type="datetimeFigureOut">
               <a:rPr lang="es-MX" smtClean="0"/>
-              <a:t>25/02/2024</a:t>
+              <a:t>26/02/2024</a:t>
             </a:fld>
             <a:endParaRPr lang="es-MX"/>
           </a:p>
@@ -2847,7 +2852,7 @@
           <a:p>
             <a:fld id="{7E71651A-C82F-4681-A516-2EF0C18AA360}" type="datetimeFigureOut">
               <a:rPr lang="es-MX" smtClean="0"/>
-              <a:t>25/02/2024</a:t>
+              <a:t>26/02/2024</a:t>
             </a:fld>
             <a:endParaRPr lang="es-MX"/>
           </a:p>
@@ -3017,7 +3022,7 @@
           <a:p>
             <a:fld id="{7E71651A-C82F-4681-A516-2EF0C18AA360}" type="datetimeFigureOut">
               <a:rPr lang="es-MX" smtClean="0"/>
-              <a:t>25/02/2024</a:t>
+              <a:t>26/02/2024</a:t>
             </a:fld>
             <a:endParaRPr lang="es-MX"/>
           </a:p>
@@ -3197,7 +3202,7 @@
           <a:p>
             <a:fld id="{7E71651A-C82F-4681-A516-2EF0C18AA360}" type="datetimeFigureOut">
               <a:rPr lang="es-MX" smtClean="0"/>
-              <a:t>25/02/2024</a:t>
+              <a:t>26/02/2024</a:t>
             </a:fld>
             <a:endParaRPr lang="es-MX"/>
           </a:p>
@@ -3367,7 +3372,7 @@
           <a:p>
             <a:fld id="{7E71651A-C82F-4681-A516-2EF0C18AA360}" type="datetimeFigureOut">
               <a:rPr lang="es-MX" smtClean="0"/>
-              <a:t>25/02/2024</a:t>
+              <a:t>26/02/2024</a:t>
             </a:fld>
             <a:endParaRPr lang="es-MX"/>
           </a:p>
@@ -3624,7 +3629,7 @@
           <a:p>
             <a:fld id="{7E71651A-C82F-4681-A516-2EF0C18AA360}" type="datetimeFigureOut">
               <a:rPr lang="es-MX" smtClean="0"/>
-              <a:t>25/02/2024</a:t>
+              <a:t>26/02/2024</a:t>
             </a:fld>
             <a:endParaRPr lang="es-MX"/>
           </a:p>
@@ -3856,7 +3861,7 @@
           <a:p>
             <a:fld id="{7E71651A-C82F-4681-A516-2EF0C18AA360}" type="datetimeFigureOut">
               <a:rPr lang="es-MX" smtClean="0"/>
-              <a:t>25/02/2024</a:t>
+              <a:t>26/02/2024</a:t>
             </a:fld>
             <a:endParaRPr lang="es-MX"/>
           </a:p>
@@ -4249,7 +4254,7 @@
           <a:p>
             <a:fld id="{7E71651A-C82F-4681-A516-2EF0C18AA360}" type="datetimeFigureOut">
               <a:rPr lang="es-MX" smtClean="0"/>
-              <a:t>25/02/2024</a:t>
+              <a:t>26/02/2024</a:t>
             </a:fld>
             <a:endParaRPr lang="es-MX"/>
           </a:p>
@@ -4367,7 +4372,7 @@
           <a:p>
             <a:fld id="{7E71651A-C82F-4681-A516-2EF0C18AA360}" type="datetimeFigureOut">
               <a:rPr lang="es-MX" smtClean="0"/>
-              <a:t>25/02/2024</a:t>
+              <a:t>26/02/2024</a:t>
             </a:fld>
             <a:endParaRPr lang="es-MX"/>
           </a:p>
@@ -4462,7 +4467,7 @@
           <a:p>
             <a:fld id="{7E71651A-C82F-4681-A516-2EF0C18AA360}" type="datetimeFigureOut">
               <a:rPr lang="es-MX" smtClean="0"/>
-              <a:t>25/02/2024</a:t>
+              <a:t>26/02/2024</a:t>
             </a:fld>
             <a:endParaRPr lang="es-MX"/>
           </a:p>
@@ -4735,7 +4740,7 @@
           <a:p>
             <a:fld id="{7E71651A-C82F-4681-A516-2EF0C18AA360}" type="datetimeFigureOut">
               <a:rPr lang="es-MX" smtClean="0"/>
-              <a:t>25/02/2024</a:t>
+              <a:t>26/02/2024</a:t>
             </a:fld>
             <a:endParaRPr lang="es-MX"/>
           </a:p>
@@ -5016,7 +5021,7 @@
           <a:p>
             <a:fld id="{7E71651A-C82F-4681-A516-2EF0C18AA360}" type="datetimeFigureOut">
               <a:rPr lang="es-MX" smtClean="0"/>
-              <a:t>25/02/2024</a:t>
+              <a:t>26/02/2024</a:t>
             </a:fld>
             <a:endParaRPr lang="es-MX"/>
           </a:p>
@@ -5256,7 +5261,7 @@
           <a:p>
             <a:fld id="{7E71651A-C82F-4681-A516-2EF0C18AA360}" type="datetimeFigureOut">
               <a:rPr lang="es-MX" smtClean="0"/>
-              <a:t>25/02/2024</a:t>
+              <a:t>26/02/2024</a:t>
             </a:fld>
             <a:endParaRPr lang="es-MX"/>
           </a:p>
@@ -6203,10 +6208,10 @@
       </p:pic>
       <p:pic>
         <p:nvPicPr>
-          <p:cNvPr id="11" name="Imagen 10">
+          <p:cNvPr id="4" name="Imagen 3">
             <a:extLst>
               <a:ext uri="{FF2B5EF4-FFF2-40B4-BE49-F238E27FC236}">
-                <a16:creationId xmlns:a16="http://schemas.microsoft.com/office/drawing/2014/main" id="{D29FE50E-DE8C-1C18-3BF6-3B137BD9A14E}"/>
+                <a16:creationId xmlns:a16="http://schemas.microsoft.com/office/drawing/2014/main" id="{E30ECCDE-4D57-491D-B417-21BCD4F5CCA6}"/>
               </a:ext>
             </a:extLst>
           </p:cNvPr>
@@ -6223,8 +6228,8 @@
         </p:blipFill>
         <p:spPr>
           <a:xfrm>
-            <a:off x="3903572" y="3429000"/>
-            <a:ext cx="2192428" cy="2715041"/>
+            <a:off x="3903309" y="3066543"/>
+            <a:ext cx="2556214" cy="3484590"/>
           </a:xfrm>
           <a:prstGeom prst="rect">
             <a:avLst/>
@@ -6321,10 +6326,10 @@
       </p:pic>
       <p:pic>
         <p:nvPicPr>
-          <p:cNvPr id="7" name="Imagen 6">
+          <p:cNvPr id="4" name="Imagen 3">
             <a:extLst>
               <a:ext uri="{FF2B5EF4-FFF2-40B4-BE49-F238E27FC236}">
-                <a16:creationId xmlns:a16="http://schemas.microsoft.com/office/drawing/2014/main" id="{0BF4BC26-8C58-5D53-A554-D8A2F70C64E9}"/>
+                <a16:creationId xmlns:a16="http://schemas.microsoft.com/office/drawing/2014/main" id="{F0E3D226-217F-4F45-ADA8-637FAAC572C8}"/>
               </a:ext>
             </a:extLst>
           </p:cNvPr>
@@ -6341,8 +6346,8 @@
         </p:blipFill>
         <p:spPr>
           <a:xfrm>
-            <a:off x="769296" y="4072270"/>
-            <a:ext cx="6333468" cy="2553817"/>
+            <a:off x="769295" y="4075389"/>
+            <a:ext cx="6990521" cy="2621444"/>
           </a:xfrm>
           <a:prstGeom prst="rect">
             <a:avLst/>
@@ -6518,7 +6523,9 @@
           </a:xfrm>
         </p:spPr>
         <p:txBody>
-          <a:bodyPr/>
+          <a:bodyPr>
+            <a:normAutofit lnSpcReduction="10000"/>
+          </a:bodyPr>
           <a:lstStyle/>
           <a:p>
             <a:pPr marL="514350" indent="-514350">
@@ -6531,7 +6538,7 @@
             </a:r>
             <a:r>
               <a:rPr lang="es-MX" dirty="0"/>
-              <a:t> lee el código fuente línea por línea y lo convierte en el </a:t>
+              <a:t> lee el código fuente línea por línea y lo convierte en </a:t>
             </a:r>
             <a:r>
               <a:rPr lang="es-MX" dirty="0" err="1"/>
@@ -6569,7 +6576,7 @@
             </a:r>
             <a:r>
               <a:rPr lang="es-MX" dirty="0"/>
-              <a:t>, en una arquitectura y se traducen a ensamblador y son ejecutadas. </a:t>
+              <a:t> acorde a la arquitectura donde se ejecuta, las instrucciones se traducen a ensamblador y después son ejecutadas. </a:t>
             </a:r>
           </a:p>
         </p:txBody>
@@ -7229,7 +7236,15 @@
           <a:p>
             <a:r>
               <a:rPr lang="es-ES" dirty="0"/>
-              <a:t>Un lenguaje ensamblador se utiliza para escribir código a nivel de máquina específico de cada arquitectura</a:t>
+              <a:t>Un </a:t>
+            </a:r>
+            <a:r>
+              <a:rPr lang="es-ES" b="1" i="1" dirty="0"/>
+              <a:t>lenguaje ensamblador</a:t>
+            </a:r>
+            <a:r>
+              <a:rPr lang="es-ES" dirty="0"/>
+              <a:t> se utiliza para escribir código a nivel de máquina específico de cada arquitectura</a:t>
             </a:r>
           </a:p>
         </p:txBody>
@@ -7287,7 +7302,7 @@
           <a:p>
             <a:r>
               <a:rPr lang="es-MX" dirty="0"/>
-              <a:t>¿Entonces? </a:t>
+              <a:t>Conclusión</a:t>
             </a:r>
           </a:p>
         </p:txBody>
@@ -7330,6 +7345,16 @@
               <a:buAutoNum type="arabicPeriod"/>
             </a:pPr>
             <a:r>
+              <a:rPr lang="es-MX" dirty="0"/>
+              <a:t>Interprete </a:t>
+            </a:r>
+            <a:r>
+              <a:rPr lang="es-MX" dirty="0">
+                <a:sym typeface="Wingdings" panose="05000000000000000000" pitchFamily="2" charset="2"/>
+              </a:rPr>
+              <a:t> </a:t>
+            </a:r>
+            <a:r>
               <a:rPr lang="es-MX" dirty="0" err="1"/>
               <a:t>Bytecode</a:t>
             </a:r>
@@ -7351,6 +7376,16 @@
               <a:buFont typeface="+mj-lt"/>
               <a:buAutoNum type="arabicPeriod"/>
             </a:pPr>
+            <a:r>
+              <a:rPr lang="es-MX" dirty="0"/>
+              <a:t>PVM </a:t>
+            </a:r>
+            <a:r>
+              <a:rPr lang="es-MX" dirty="0">
+                <a:sym typeface="Wingdings" panose="05000000000000000000" pitchFamily="2" charset="2"/>
+              </a:rPr>
+              <a:t> </a:t>
+            </a:r>
             <a:r>
               <a:rPr lang="es-MX" dirty="0"/>
               <a:t>Lenguaje ensamblador (bajo nivel) </a:t>
@@ -7381,7 +7416,15 @@
             </a:pPr>
             <a:r>
               <a:rPr lang="es-MX" dirty="0"/>
-              <a:t>El ensamblador traduce cada instrucción en su equivalente binario </a:t>
+              <a:t>El ensamblador traduce cada instrucción en su </a:t>
+            </a:r>
+            <a:r>
+              <a:rPr lang="es-MX" i="1" dirty="0"/>
+              <a:t>equivalente binario</a:t>
+            </a:r>
+            <a:r>
+              <a:rPr lang="es-MX" dirty="0"/>
+              <a:t> </a:t>
             </a:r>
             <a:r>
               <a:rPr lang="es-MX" dirty="0">

--- a/Docs/02_Intro.pptx
+++ b/Docs/02_Intro.pptx
@@ -315,7 +315,7 @@
           <a:p>
             <a:fld id="{7E71651A-C82F-4681-A516-2EF0C18AA360}" type="datetimeFigureOut">
               <a:rPr lang="es-MX" smtClean="0"/>
-              <a:t>26/02/2024</a:t>
+              <a:t>28/02/2024</a:t>
             </a:fld>
             <a:endParaRPr lang="es-MX"/>
           </a:p>
@@ -596,7 +596,7 @@
           <a:p>
             <a:fld id="{7E71651A-C82F-4681-A516-2EF0C18AA360}" type="datetimeFigureOut">
               <a:rPr lang="es-MX" smtClean="0"/>
-              <a:t>26/02/2024</a:t>
+              <a:t>28/02/2024</a:t>
             </a:fld>
             <a:endParaRPr lang="es-MX"/>
           </a:p>
@@ -788,7 +788,7 @@
           <a:p>
             <a:fld id="{7E71651A-C82F-4681-A516-2EF0C18AA360}" type="datetimeFigureOut">
               <a:rPr lang="es-MX" smtClean="0"/>
-              <a:t>26/02/2024</a:t>
+              <a:t>28/02/2024</a:t>
             </a:fld>
             <a:endParaRPr lang="es-MX"/>
           </a:p>
@@ -1049,7 +1049,7 @@
           <a:p>
             <a:fld id="{7E71651A-C82F-4681-A516-2EF0C18AA360}" type="datetimeFigureOut">
               <a:rPr lang="es-MX" smtClean="0"/>
-              <a:t>26/02/2024</a:t>
+              <a:t>28/02/2024</a:t>
             </a:fld>
             <a:endParaRPr lang="es-MX"/>
           </a:p>
@@ -1475,7 +1475,7 @@
           <a:p>
             <a:fld id="{7E71651A-C82F-4681-A516-2EF0C18AA360}" type="datetimeFigureOut">
               <a:rPr lang="es-MX" smtClean="0"/>
-              <a:t>26/02/2024</a:t>
+              <a:t>28/02/2024</a:t>
             </a:fld>
             <a:endParaRPr lang="es-MX"/>
           </a:p>
@@ -2021,7 +2021,7 @@
           <a:p>
             <a:fld id="{7E71651A-C82F-4681-A516-2EF0C18AA360}" type="datetimeFigureOut">
               <a:rPr lang="es-MX" smtClean="0"/>
-              <a:t>26/02/2024</a:t>
+              <a:t>28/02/2024</a:t>
             </a:fld>
             <a:endParaRPr lang="es-MX"/>
           </a:p>
@@ -2852,7 +2852,7 @@
           <a:p>
             <a:fld id="{7E71651A-C82F-4681-A516-2EF0C18AA360}" type="datetimeFigureOut">
               <a:rPr lang="es-MX" smtClean="0"/>
-              <a:t>26/02/2024</a:t>
+              <a:t>28/02/2024</a:t>
             </a:fld>
             <a:endParaRPr lang="es-MX"/>
           </a:p>
@@ -3022,7 +3022,7 @@
           <a:p>
             <a:fld id="{7E71651A-C82F-4681-A516-2EF0C18AA360}" type="datetimeFigureOut">
               <a:rPr lang="es-MX" smtClean="0"/>
-              <a:t>26/02/2024</a:t>
+              <a:t>28/02/2024</a:t>
             </a:fld>
             <a:endParaRPr lang="es-MX"/>
           </a:p>
@@ -3202,7 +3202,7 @@
           <a:p>
             <a:fld id="{7E71651A-C82F-4681-A516-2EF0C18AA360}" type="datetimeFigureOut">
               <a:rPr lang="es-MX" smtClean="0"/>
-              <a:t>26/02/2024</a:t>
+              <a:t>28/02/2024</a:t>
             </a:fld>
             <a:endParaRPr lang="es-MX"/>
           </a:p>
@@ -3372,7 +3372,7 @@
           <a:p>
             <a:fld id="{7E71651A-C82F-4681-A516-2EF0C18AA360}" type="datetimeFigureOut">
               <a:rPr lang="es-MX" smtClean="0"/>
-              <a:t>26/02/2024</a:t>
+              <a:t>28/02/2024</a:t>
             </a:fld>
             <a:endParaRPr lang="es-MX"/>
           </a:p>
@@ -3629,7 +3629,7 @@
           <a:p>
             <a:fld id="{7E71651A-C82F-4681-A516-2EF0C18AA360}" type="datetimeFigureOut">
               <a:rPr lang="es-MX" smtClean="0"/>
-              <a:t>26/02/2024</a:t>
+              <a:t>28/02/2024</a:t>
             </a:fld>
             <a:endParaRPr lang="es-MX"/>
           </a:p>
@@ -3861,7 +3861,7 @@
           <a:p>
             <a:fld id="{7E71651A-C82F-4681-A516-2EF0C18AA360}" type="datetimeFigureOut">
               <a:rPr lang="es-MX" smtClean="0"/>
-              <a:t>26/02/2024</a:t>
+              <a:t>28/02/2024</a:t>
             </a:fld>
             <a:endParaRPr lang="es-MX"/>
           </a:p>
@@ -4254,7 +4254,7 @@
           <a:p>
             <a:fld id="{7E71651A-C82F-4681-A516-2EF0C18AA360}" type="datetimeFigureOut">
               <a:rPr lang="es-MX" smtClean="0"/>
-              <a:t>26/02/2024</a:t>
+              <a:t>28/02/2024</a:t>
             </a:fld>
             <a:endParaRPr lang="es-MX"/>
           </a:p>
@@ -4372,7 +4372,7 @@
           <a:p>
             <a:fld id="{7E71651A-C82F-4681-A516-2EF0C18AA360}" type="datetimeFigureOut">
               <a:rPr lang="es-MX" smtClean="0"/>
-              <a:t>26/02/2024</a:t>
+              <a:t>28/02/2024</a:t>
             </a:fld>
             <a:endParaRPr lang="es-MX"/>
           </a:p>
@@ -4467,7 +4467,7 @@
           <a:p>
             <a:fld id="{7E71651A-C82F-4681-A516-2EF0C18AA360}" type="datetimeFigureOut">
               <a:rPr lang="es-MX" smtClean="0"/>
-              <a:t>26/02/2024</a:t>
+              <a:t>28/02/2024</a:t>
             </a:fld>
             <a:endParaRPr lang="es-MX"/>
           </a:p>
@@ -4740,7 +4740,7 @@
           <a:p>
             <a:fld id="{7E71651A-C82F-4681-A516-2EF0C18AA360}" type="datetimeFigureOut">
               <a:rPr lang="es-MX" smtClean="0"/>
-              <a:t>26/02/2024</a:t>
+              <a:t>28/02/2024</a:t>
             </a:fld>
             <a:endParaRPr lang="es-MX"/>
           </a:p>
@@ -5021,7 +5021,7 @@
           <a:p>
             <a:fld id="{7E71651A-C82F-4681-A516-2EF0C18AA360}" type="datetimeFigureOut">
               <a:rPr lang="es-MX" smtClean="0"/>
-              <a:t>26/02/2024</a:t>
+              <a:t>28/02/2024</a:t>
             </a:fld>
             <a:endParaRPr lang="es-MX"/>
           </a:p>
@@ -5261,7 +5261,7 @@
           <a:p>
             <a:fld id="{7E71651A-C82F-4681-A516-2EF0C18AA360}" type="datetimeFigureOut">
               <a:rPr lang="es-MX" smtClean="0"/>
-              <a:t>26/02/2024</a:t>
+              <a:t>28/02/2024</a:t>
             </a:fld>
             <a:endParaRPr lang="es-MX"/>
           </a:p>
@@ -6951,15 +6951,7 @@
             </a:r>
             <a:r>
               <a:rPr lang="es-MX" dirty="0"/>
-              <a:t> –Es la arquitectura más común, existe </a:t>
-            </a:r>
-            <a:r>
-              <a:rPr lang="es-MX" dirty="0" err="1"/>
-              <a:t>esde</a:t>
-            </a:r>
-            <a:r>
-              <a:rPr lang="es-MX" dirty="0"/>
-              <a:t> los 70’s </a:t>
+              <a:t> –Es la arquitectura más común, existe desde los 70’s </a:t>
             </a:r>
             <a:r>
               <a:rPr lang="es-MX" dirty="0">
@@ -7398,7 +7390,27 @@
             </a:pPr>
             <a:r>
               <a:rPr lang="es-MX" dirty="0"/>
-              <a:t>El código escrito en este lenguaje se pasa a través de un programa llamado </a:t>
+              <a:t>El código escrito en </a:t>
+            </a:r>
+            <a:r>
+              <a:rPr lang="es-MX" i="1" dirty="0">
+                <a:solidFill>
+                  <a:srgbClr val="FF0000"/>
+                </a:solidFill>
+              </a:rPr>
+              <a:t>lenguaje ensamblador</a:t>
+            </a:r>
+            <a:r>
+              <a:rPr lang="es-MX" dirty="0"/>
+              <a:t> se pasa a través de un </a:t>
+            </a:r>
+            <a:r>
+              <a:rPr lang="es-MX" i="1" dirty="0"/>
+              <a:t>programa</a:t>
+            </a:r>
+            <a:r>
+              <a:rPr lang="es-MX" dirty="0"/>
+              <a:t> llamado </a:t>
             </a:r>
             <a:r>
               <a:rPr lang="es-MX" dirty="0">
